--- a/2020 Summer Intern in NSPO poster_0819.pptx
+++ b/2020 Summer Intern in NSPO poster_0819.pptx
@@ -8383,16 +8383,7 @@
                 <a:cs typeface="DFKai-SB"/>
                 <a:sym typeface="DFKai-SB"/>
               </a:rPr>
-              <a:t>操作且能較</a:t>
-            </a:r>
-            <a:r>
-              <a:rPr lang="zh-TW" altLang="en-US" sz="3000" b="0" dirty="0" smtClean="0">
-                <a:latin typeface="微軟正黑體" panose="020B0604030504040204" pitchFamily="34" charset="-120"/>
-                <a:ea typeface="微軟正黑體" panose="020B0604030504040204" pitchFamily="34" charset="-120"/>
-                <a:cs typeface="DFKai-SB"/>
-                <a:sym typeface="DFKai-SB"/>
-              </a:rPr>
-              <a:t>快達到穩定目標，並且適應多種初始狀態，如不同的</a:t>
+              <a:t>操作且能較快達到穩定目標，並且適應多種初始狀態，如不同的</a:t>
             </a:r>
             <a:r>
               <a:rPr lang="zh-TW" altLang="en-US" sz="3000" b="0" dirty="0">
@@ -8410,16 +8401,7 @@
                 <a:cs typeface="DFKai-SB"/>
                 <a:sym typeface="DFKai-SB"/>
               </a:rPr>
-              <a:t>角速度</a:t>
-            </a:r>
-            <a:r>
-              <a:rPr lang="zh-TW" altLang="en-US" sz="3000" b="0" dirty="0" smtClean="0">
-                <a:latin typeface="微軟正黑體" panose="020B0604030504040204" pitchFamily="34" charset="-120"/>
-                <a:ea typeface="微軟正黑體" panose="020B0604030504040204" pitchFamily="34" charset="-120"/>
-                <a:cs typeface="DFKai-SB"/>
-                <a:sym typeface="DFKai-SB"/>
-              </a:rPr>
-              <a:t>與自旋</a:t>
+              <a:t>角速度與自旋</a:t>
             </a:r>
             <a:r>
               <a:rPr lang="zh-TW" altLang="en-US" sz="3000" b="0" dirty="0">
@@ -8563,16 +8545,7 @@
                 <a:cs typeface="DFKai-SB"/>
                 <a:sym typeface="DFKai-SB"/>
               </a:rPr>
-              <a:t>達到指向目的，</a:t>
-            </a:r>
-            <a:r>
-              <a:rPr lang="zh-TW" altLang="en-US" sz="3000" b="0" dirty="0" smtClean="0">
-                <a:latin typeface="微軟正黑體" panose="020B0604030504040204" pitchFamily="34" charset="-120"/>
-                <a:ea typeface="微軟正黑體" panose="020B0604030504040204" pitchFamily="34" charset="-120"/>
-                <a:cs typeface="DFKai-SB"/>
-                <a:sym typeface="DFKai-SB"/>
-              </a:rPr>
-              <a:t>因此結論出最完善的模式切換</a:t>
+              <a:t>達到指向目的，因此結論出最完善的模式切換</a:t>
             </a:r>
             <a:r>
               <a:rPr lang="en-US" altLang="zh-TW" sz="3000" b="0" dirty="0" smtClean="0">
@@ -8731,7 +8704,7 @@
           <a:effectLst/>
           <a:extLst>
             <a:ext uri="{C572A759-6A51-4108-AA02-DFA0A04FC94B}">
-              <ma14:wrappingTextBoxFlag xmlns="" xmlns:ma14="http://schemas.microsoft.com/office/mac/drawingml/2011/main" val="1"/>
+              <ma14:wrappingTextBoxFlag xmlns:ma14="http://schemas.microsoft.com/office/mac/drawingml/2011/main" xmlns="" val="1"/>
             </a:ext>
           </a:extLst>
         </p:spPr>
@@ -8837,7 +8810,21 @@
                 <a:latin typeface="微軟正黑體" panose="020B0604030504040204" pitchFamily="34" charset="-120"/>
                 <a:ea typeface="微軟正黑體" panose="020B0604030504040204" pitchFamily="34" charset="-120"/>
               </a:rPr>
-              <a:t>國家太空中心飛行控制組　　學生：蔡比八</a:t>
+              <a:t>國家太空中心飛行控制組　　</a:t>
+            </a:r>
+            <a:r>
+              <a:rPr lang="zh-TW" altLang="en-US" sz="3600" b="1" smtClean="0">
+                <a:latin typeface="微軟正黑體" panose="020B0604030504040204" pitchFamily="34" charset="-120"/>
+                <a:ea typeface="微軟正黑體" panose="020B0604030504040204" pitchFamily="34" charset="-120"/>
+              </a:rPr>
+              <a:t>學生</a:t>
+            </a:r>
+            <a:r>
+              <a:rPr lang="zh-TW" altLang="en-US" sz="3600" b="1" smtClean="0">
+                <a:latin typeface="微軟正黑體" panose="020B0604030504040204" pitchFamily="34" charset="-120"/>
+                <a:ea typeface="微軟正黑體" panose="020B0604030504040204" pitchFamily="34" charset="-120"/>
+              </a:rPr>
+              <a:t>：邱邱</a:t>
             </a:r>
             <a:r>
               <a:rPr lang="en-US" altLang="zh-TW" sz="2400" b="1" dirty="0" smtClean="0">
@@ -11979,16 +11966,7 @@
                 <a:cs typeface="DFKai-SB"/>
                 <a:sym typeface="DFKai-SB"/>
               </a:rPr>
-              <a:t>對準，</a:t>
-            </a:r>
-            <a:r>
-              <a:rPr lang="zh-TW" altLang="en-US" sz="3000" b="0" dirty="0" smtClean="0">
-                <a:latin typeface="微軟正黑體" panose="020B0604030504040204" pitchFamily="34" charset="-120"/>
-                <a:ea typeface="微軟正黑體" panose="020B0604030504040204" pitchFamily="34" charset="-120"/>
-                <a:cs typeface="DFKai-SB"/>
-                <a:sym typeface="DFKai-SB"/>
-              </a:rPr>
-              <a:t>同時</a:t>
+              <a:t>對準，同時</a:t>
             </a:r>
             <a:r>
               <a:rPr lang="zh-TW" altLang="en-US" sz="3000" b="0" dirty="0">
@@ -12006,16 +11984,7 @@
                 <a:cs typeface="DFKai-SB"/>
                 <a:sym typeface="DFKai-SB"/>
               </a:rPr>
-              <a:t>進</a:t>
-            </a:r>
-            <a:r>
-              <a:rPr lang="zh-TW" altLang="en-US" sz="3000" b="0" dirty="0" smtClean="0">
-                <a:latin typeface="微軟正黑體" panose="020B0604030504040204" pitchFamily="34" charset="-120"/>
-                <a:ea typeface="微軟正黑體" panose="020B0604030504040204" pitchFamily="34" charset="-120"/>
-                <a:cs typeface="DFKai-SB"/>
-                <a:sym typeface="DFKai-SB"/>
-              </a:rPr>
-              <a:t>動與章動的狀態。但為了維持</a:t>
+              <a:t>進動與章動的狀態。但為了維持</a:t>
             </a:r>
             <a:r>
               <a:rPr lang="en-US" altLang="zh-TW" sz="3000" b="0" dirty="0" smtClean="0">
@@ -12104,16 +12073,7 @@
                 <a:cs typeface="DFKai-SB"/>
                 <a:sym typeface="DFKai-SB"/>
               </a:rPr>
-              <a:t> </a:t>
-            </a:r>
-            <a:r>
-              <a:rPr lang="en-US" altLang="zh-TW" sz="3000" b="0" dirty="0" smtClean="0">
-                <a:latin typeface="微軟正黑體" panose="020B0604030504040204" pitchFamily="34" charset="-120"/>
-                <a:ea typeface="微軟正黑體" panose="020B0604030504040204" pitchFamily="34" charset="-120"/>
-                <a:cs typeface="DFKai-SB"/>
-                <a:sym typeface="DFKai-SB"/>
-              </a:rPr>
-              <a:t>Tcmd1</a:t>
+              <a:t> Tcmd1</a:t>
             </a:r>
             <a:r>
               <a:rPr lang="zh-TW" altLang="en-US" sz="3000" b="0" dirty="0" smtClean="0">
@@ -18520,8 +18480,8 @@
           </a:p>
         </p:txBody>
       </p:sp>
-      <mc:AlternateContent xmlns:mc="http://schemas.openxmlformats.org/markup-compatibility/2006">
-        <mc:Choice xmlns:a14="http://schemas.microsoft.com/office/drawing/2010/main" Requires="a14">
+      <mc:AlternateContent xmlns:mc="http://schemas.openxmlformats.org/markup-compatibility/2006" xmlns:a14="http://schemas.microsoft.com/office/drawing/2010/main">
+        <mc:Choice Requires="a14">
           <p:sp>
             <p:nvSpPr>
               <p:cNvPr id="282" name="文字版面配置區 2"/>
@@ -18842,7 +18802,7 @@
             </p:txBody>
           </p:sp>
         </mc:Choice>
-        <mc:Fallback>
+        <mc:Fallback xmlns="">
           <p:sp>
             <p:nvSpPr>
               <p:cNvPr id="282" name="文字版面配置區 2"/>
@@ -20264,8 +20224,8 @@
           </a:p>
         </p:txBody>
       </p:sp>
-      <mc:AlternateContent xmlns:mc="http://schemas.openxmlformats.org/markup-compatibility/2006">
-        <mc:Choice xmlns:a14="http://schemas.microsoft.com/office/drawing/2010/main" Requires="a14">
+      <mc:AlternateContent xmlns:mc="http://schemas.openxmlformats.org/markup-compatibility/2006" xmlns:a14="http://schemas.microsoft.com/office/drawing/2010/main">
+        <mc:Choice Requires="a14">
           <p:sp>
             <p:nvSpPr>
               <p:cNvPr id="295" name="矩形 294"/>
@@ -20287,6 +20247,7 @@
               </a:bodyPr>
               <a:lstStyle/>
               <a:p>
+                <a:pPr/>
                 <a14:m>
                   <m:oMathPara xmlns:m="http://schemas.openxmlformats.org/officeDocument/2006/math">
                     <m:oMathParaPr>
@@ -20487,7 +20448,7 @@
             </p:txBody>
           </p:sp>
         </mc:Choice>
-        <mc:Fallback>
+        <mc:Fallback xmlns="">
           <p:sp>
             <p:nvSpPr>
               <p:cNvPr id="295" name="矩形 294"/>
@@ -20526,8 +20487,8 @@
           </p:sp>
         </mc:Fallback>
       </mc:AlternateContent>
-      <mc:AlternateContent xmlns:mc="http://schemas.openxmlformats.org/markup-compatibility/2006">
-        <mc:Choice xmlns:a14="http://schemas.microsoft.com/office/drawing/2010/main" Requires="a14">
+      <mc:AlternateContent xmlns:mc="http://schemas.openxmlformats.org/markup-compatibility/2006" xmlns:a14="http://schemas.microsoft.com/office/drawing/2010/main">
+        <mc:Choice Requires="a14">
           <p:sp>
             <p:nvSpPr>
               <p:cNvPr id="296" name="矩形 295"/>
@@ -20549,6 +20510,7 @@
               </a:bodyPr>
               <a:lstStyle/>
               <a:p>
+                <a:pPr/>
                 <a14:m>
                   <m:oMathPara xmlns:m="http://schemas.openxmlformats.org/officeDocument/2006/math">
                     <m:oMathParaPr>
@@ -20785,6 +20747,7 @@
                 </a:endParaRPr>
               </a:p>
               <a:p>
+                <a:pPr/>
                 <a14:m>
                   <m:oMathPara xmlns:m="http://schemas.openxmlformats.org/officeDocument/2006/math">
                     <m:oMathParaPr>
@@ -21114,7 +21077,7 @@
             </p:txBody>
           </p:sp>
         </mc:Choice>
-        <mc:Fallback>
+        <mc:Fallback xmlns="">
           <p:sp>
             <p:nvSpPr>
               <p:cNvPr id="296" name="矩形 295"/>
@@ -21354,8 +21317,8 @@
           </a:p>
         </p:txBody>
       </p:sp>
-      <mc:AlternateContent xmlns:mc="http://schemas.openxmlformats.org/markup-compatibility/2006">
-        <mc:Choice xmlns:a14="http://schemas.microsoft.com/office/drawing/2010/main" Requires="a14">
+      <mc:AlternateContent xmlns:mc="http://schemas.openxmlformats.org/markup-compatibility/2006" xmlns:a14="http://schemas.microsoft.com/office/drawing/2010/main">
+        <mc:Choice Requires="a14">
           <p:sp>
             <p:nvSpPr>
               <p:cNvPr id="35" name="矩形 34"/>
@@ -21377,6 +21340,7 @@
               </a:bodyPr>
               <a:lstStyle/>
               <a:p>
+                <a:pPr/>
                 <a14:m>
                   <m:oMathPara xmlns:m="http://schemas.openxmlformats.org/officeDocument/2006/math">
                     <m:oMathParaPr>
@@ -21459,7 +21423,7 @@
             </p:txBody>
           </p:sp>
         </mc:Choice>
-        <mc:Fallback>
+        <mc:Fallback xmlns="">
           <p:sp>
             <p:nvSpPr>
               <p:cNvPr id="35" name="矩形 34"/>
